--- a/Presentation/lesson-13.pptx
+++ b/Presentation/lesson-13.pptx
@@ -214,7 +214,7 @@
           <a:p>
             <a:fld id="{B24A7054-7FFB-49F4-A126-5DF6E687FF53}" type="datetimeFigureOut">
               <a:rPr lang="ru-RU" smtClean="0"/>
-              <a:t>07.09.2012</a:t>
+              <a:t>01.11.2012</a:t>
             </a:fld>
             <a:endParaRPr lang="ru-RU"/>
           </a:p>
@@ -1277,7 +1277,7 @@
           <a:p>
             <a:fld id="{8E6E6A2A-E9D3-4A0D-B04A-ABDD367A1E08}" type="datetimeFigureOut">
               <a:rPr lang="ru-RU" smtClean="0"/>
-              <a:t>07.09.2012</a:t>
+              <a:t>01.11.2012</a:t>
             </a:fld>
             <a:endParaRPr lang="ru-RU"/>
           </a:p>
@@ -2725,7 +2725,7 @@
           <a:p>
             <a:fld id="{AC3D3127-B7C4-45E3-9797-C527EC9FDD78}" type="datetimeFigureOut">
               <a:rPr lang="ru-RU" smtClean="0"/>
-              <a:t>07.09.2012</a:t>
+              <a:t>01.11.2012</a:t>
             </a:fld>
             <a:endParaRPr lang="ru-RU"/>
           </a:p>
@@ -3265,53 +3265,47 @@
                   <a:schemeClr val="bg1"/>
                 </a:solidFill>
               </a:rPr>
-              <a:t>Windows  </a:t>
-            </a:r>
-            <a:r>
-              <a:rPr lang="en-US" sz="2400" dirty="0" smtClean="0">
-                <a:solidFill>
-                  <a:schemeClr val="bg1"/>
-                </a:solidFill>
-              </a:rPr>
-              <a:t>Communication</a:t>
-            </a:r>
-            <a:r>
-              <a:rPr lang="en-US" sz="2400" dirty="0" smtClean="0">
-                <a:solidFill>
-                  <a:schemeClr val="bg1"/>
-                </a:solidFill>
-              </a:rPr>
-              <a:t> </a:t>
-            </a:r>
-            <a:r>
-              <a:rPr lang="en-US" sz="2400" dirty="0" smtClean="0">
-                <a:solidFill>
-                  <a:schemeClr val="bg1"/>
-                </a:solidFill>
-              </a:rPr>
-              <a:t>Foundation (</a:t>
-            </a:r>
-            <a:r>
-              <a:rPr lang="en-US" sz="2400" dirty="0" smtClean="0">
-                <a:solidFill>
-                  <a:schemeClr val="bg1"/>
-                </a:solidFill>
-              </a:rPr>
-              <a:t>WCF</a:t>
-            </a:r>
-            <a:r>
-              <a:rPr lang="en-US" sz="2400" dirty="0" smtClean="0">
-                <a:solidFill>
-                  <a:schemeClr val="bg1"/>
-                </a:solidFill>
-              </a:rPr>
-              <a:t>)</a:t>
+              <a:t>Windows  Communication Foundation (WCF)</a:t>
             </a:r>
             <a:endParaRPr lang="en-US" sz="2400" dirty="0">
               <a:solidFill>
                 <a:schemeClr val="bg1"/>
               </a:solidFill>
             </a:endParaRPr>
+          </a:p>
+        </p:txBody>
+      </p:sp>
+      <p:sp>
+        <p:nvSpPr>
+          <p:cNvPr id="8" name="TextBox 7"/>
+          <p:cNvSpPr txBox="1"/>
+          <p:nvPr/>
+        </p:nvSpPr>
+        <p:spPr>
+          <a:xfrm>
+            <a:off x="3120449" y="5589240"/>
+            <a:ext cx="2903102" cy="369332"/>
+          </a:xfrm>
+          <a:prstGeom prst="rect">
+            <a:avLst/>
+          </a:prstGeom>
+          <a:noFill/>
+        </p:spPr>
+        <p:txBody>
+          <a:bodyPr wrap="none" rtlCol="0">
+            <a:spAutoFit/>
+          </a:bodyPr>
+          <a:lstStyle/>
+          <a:p>
+            <a:r>
+              <a:rPr lang="en-US" dirty="0">
+                <a:solidFill>
+                  <a:schemeClr val="bg1"/>
+                </a:solidFill>
+              </a:rPr>
+              <a:t>http://vk.com/club33848893</a:t>
+            </a:r>
+            <a:endParaRPr lang="en-US" dirty="0"/>
           </a:p>
         </p:txBody>
       </p:sp>
@@ -5424,7 +5418,6 @@
               <a:rPr lang="en-US" dirty="0"/>
               <a:t>]</a:t>
             </a:r>
-            <a:endParaRPr lang="en-US" dirty="0"/>
           </a:p>
         </p:txBody>
       </p:sp>
@@ -7110,7 +7103,6 @@
               <a:rPr lang="en-US" dirty="0"/>
               <a:t>ISBN: 978-1-59059-702-6</a:t>
             </a:r>
-            <a:endParaRPr lang="en-US" dirty="0"/>
           </a:p>
         </p:txBody>
       </p:sp>
@@ -8538,7 +8530,6 @@
               <a:rPr lang="en-US" dirty="0"/>
               <a:t>Service Compatibility Is Based on Policy</a:t>
             </a:r>
-            <a:endParaRPr lang="en-US" dirty="0"/>
           </a:p>
         </p:txBody>
       </p:sp>
@@ -8552,11 +8543,11 @@
   <p:clrMapOvr>
     <a:masterClrMapping/>
   </p:clrMapOvr>
-  <mc:AlternateContent xmlns:mc="http://schemas.openxmlformats.org/markup-compatibility/2006">
-    <mc:Choice xmlns:p14="http://schemas.microsoft.com/office/powerpoint/2010/main" Requires="p14">
+  <mc:AlternateContent xmlns:mc="http://schemas.openxmlformats.org/markup-compatibility/2006" xmlns:p14="http://schemas.microsoft.com/office/powerpoint/2010/main">
+    <mc:Choice Requires="p14">
       <p:transition spd="slow" p14:dur="2000"/>
     </mc:Choice>
-    <mc:Fallback>
+    <mc:Fallback xmlns="">
       <p:transition spd="slow"/>
     </mc:Fallback>
   </mc:AlternateContent>

--- a/Presentation/lesson-13.pptx
+++ b/Presentation/lesson-13.pptx
@@ -214,7 +214,7 @@
           <a:p>
             <a:fld id="{B24A7054-7FFB-49F4-A126-5DF6E687FF53}" type="datetimeFigureOut">
               <a:rPr lang="ru-RU" smtClean="0"/>
-              <a:t>01.11.2012</a:t>
+              <a:t>06.11.2012</a:t>
             </a:fld>
             <a:endParaRPr lang="ru-RU"/>
           </a:p>
@@ -1277,7 +1277,7 @@
           <a:p>
             <a:fld id="{8E6E6A2A-E9D3-4A0D-B04A-ABDD367A1E08}" type="datetimeFigureOut">
               <a:rPr lang="ru-RU" smtClean="0"/>
-              <a:t>01.11.2012</a:t>
+              <a:t>06.11.2012</a:t>
             </a:fld>
             <a:endParaRPr lang="ru-RU"/>
           </a:p>
@@ -2725,7 +2725,7 @@
           <a:p>
             <a:fld id="{AC3D3127-B7C4-45E3-9797-C527EC9FDD78}" type="datetimeFigureOut">
               <a:rPr lang="ru-RU" smtClean="0"/>
-              <a:t>01.11.2012</a:t>
+              <a:t>06.11.2012</a:t>
             </a:fld>
             <a:endParaRPr lang="ru-RU"/>
           </a:p>
@@ -3272,40 +3272,6 @@
                 <a:schemeClr val="bg1"/>
               </a:solidFill>
             </a:endParaRPr>
-          </a:p>
-        </p:txBody>
-      </p:sp>
-      <p:sp>
-        <p:nvSpPr>
-          <p:cNvPr id="8" name="TextBox 7"/>
-          <p:cNvSpPr txBox="1"/>
-          <p:nvPr/>
-        </p:nvSpPr>
-        <p:spPr>
-          <a:xfrm>
-            <a:off x="3120449" y="5589240"/>
-            <a:ext cx="2903102" cy="369332"/>
-          </a:xfrm>
-          <a:prstGeom prst="rect">
-            <a:avLst/>
-          </a:prstGeom>
-          <a:noFill/>
-        </p:spPr>
-        <p:txBody>
-          <a:bodyPr wrap="none" rtlCol="0">
-            <a:spAutoFit/>
-          </a:bodyPr>
-          <a:lstStyle/>
-          <a:p>
-            <a:r>
-              <a:rPr lang="en-US" dirty="0">
-                <a:solidFill>
-                  <a:schemeClr val="bg1"/>
-                </a:solidFill>
-              </a:rPr>
-              <a:t>http://vk.com/club33848893</a:t>
-            </a:r>
-            <a:endParaRPr lang="en-US" dirty="0"/>
           </a:p>
         </p:txBody>
       </p:sp>
